--- a/开发文档/小组报告v1.0.pptx
+++ b/开发文档/小组报告v1.0.pptx
@@ -6212,58 +6212,6 @@
           </a:p>
         </p:txBody>
       </p:sp>
-      <p:sp>
-        <p:nvSpPr>
-          <p:cNvPr id="3" name="带形: 上凸 2">
-            <a:extLst>
-              <a:ext uri="{FF2B5EF4-FFF2-40B4-BE49-F238E27FC236}">
-                <a16:creationId xmlns:a16="http://schemas.microsoft.com/office/drawing/2014/main" id="{597F1167-36C6-4EDE-8F9A-CC35660C74FF}"/>
-              </a:ext>
-            </a:extLst>
-          </p:cNvPr>
-          <p:cNvSpPr/>
-          <p:nvPr/>
-        </p:nvSpPr>
-        <p:spPr>
-          <a:xfrm>
-            <a:off x="2827505" y="4554023"/>
-            <a:ext cx="6536987" cy="1274323"/>
-          </a:xfrm>
-          <a:prstGeom prst="ribbon2">
-            <a:avLst>
-              <a:gd name="adj1" fmla="val 16667"/>
-              <a:gd name="adj2" fmla="val 73512"/>
-            </a:avLst>
-          </a:prstGeom>
-        </p:spPr>
-        <p:style>
-          <a:lnRef idx="2">
-            <a:schemeClr val="accent1">
-              <a:shade val="50000"/>
-            </a:schemeClr>
-          </a:lnRef>
-          <a:fillRef idx="1">
-            <a:schemeClr val="accent1"/>
-          </a:fillRef>
-          <a:effectRef idx="0">
-            <a:schemeClr val="accent1"/>
-          </a:effectRef>
-          <a:fontRef idx="minor">
-            <a:schemeClr val="lt1"/>
-          </a:fontRef>
-        </p:style>
-        <p:txBody>
-          <a:bodyPr rtlCol="0" anchor="ctr"/>
-          <a:lstStyle/>
-          <a:p>
-            <a:pPr algn="ctr"/>
-            <a:r>
-              <a:rPr lang="zh-CN" altLang="en-US" sz="3600" b="1" dirty="0"/>
-              <a:t>学海无涯</a:t>
-            </a:r>
-          </a:p>
-        </p:txBody>
-      </p:sp>
     </p:spTree>
     <p:extLst>
       <p:ext uri="{BB962C8B-B14F-4D97-AF65-F5344CB8AC3E}">
@@ -6286,138 +6234,6 @@
       </p:transition>
     </mc:Fallback>
   </mc:AlternateContent>
-  <p:timing>
-    <p:tnLst>
-      <p:par>
-        <p:cTn id="1" dur="indefinite" restart="never" nodeType="tmRoot">
-          <p:childTnLst>
-            <p:seq concurrent="1" nextAc="seek">
-              <p:cTn id="2" dur="indefinite" nodeType="mainSeq">
-                <p:childTnLst>
-                  <p:par>
-                    <p:cTn id="3" fill="hold">
-                      <p:stCondLst>
-                        <p:cond delay="indefinite"/>
-                      </p:stCondLst>
-                      <p:childTnLst>
-                        <p:par>
-                          <p:cTn id="4" fill="hold">
-                            <p:stCondLst>
-                              <p:cond delay="0"/>
-                            </p:stCondLst>
-                            <p:childTnLst>
-                              <p:par>
-                                <p:cTn id="5" presetID="42" presetClass="entr" presetSubtype="0" fill="hold" grpId="0" nodeType="clickEffect">
-                                  <p:stCondLst>
-                                    <p:cond delay="0"/>
-                                  </p:stCondLst>
-                                  <p:childTnLst>
-                                    <p:set>
-                                      <p:cBhvr>
-                                        <p:cTn id="6" dur="1" fill="hold">
-                                          <p:stCondLst>
-                                            <p:cond delay="0"/>
-                                          </p:stCondLst>
-                                        </p:cTn>
-                                        <p:tgtEl>
-                                          <p:spTgt spid="3"/>
-                                        </p:tgtEl>
-                                        <p:attrNameLst>
-                                          <p:attrName>style.visibility</p:attrName>
-                                        </p:attrNameLst>
-                                      </p:cBhvr>
-                                      <p:to>
-                                        <p:strVal val="visible"/>
-                                      </p:to>
-                                    </p:set>
-                                    <p:animEffect transition="in" filter="fade">
-                                      <p:cBhvr>
-                                        <p:cTn id="7" dur="1000"/>
-                                        <p:tgtEl>
-                                          <p:spTgt spid="3"/>
-                                        </p:tgtEl>
-                                      </p:cBhvr>
-                                    </p:animEffect>
-                                    <p:anim calcmode="lin" valueType="num">
-                                      <p:cBhvr>
-                                        <p:cTn id="8" dur="1000" fill="hold"/>
-                                        <p:tgtEl>
-                                          <p:spTgt spid="3"/>
-                                        </p:tgtEl>
-                                        <p:attrNameLst>
-                                          <p:attrName>ppt_x</p:attrName>
-                                        </p:attrNameLst>
-                                      </p:cBhvr>
-                                      <p:tavLst>
-                                        <p:tav tm="0">
-                                          <p:val>
-                                            <p:strVal val="#ppt_x"/>
-                                          </p:val>
-                                        </p:tav>
-                                        <p:tav tm="100000">
-                                          <p:val>
-                                            <p:strVal val="#ppt_x"/>
-                                          </p:val>
-                                        </p:tav>
-                                      </p:tavLst>
-                                    </p:anim>
-                                    <p:anim calcmode="lin" valueType="num">
-                                      <p:cBhvr>
-                                        <p:cTn id="9" dur="1000" fill="hold"/>
-                                        <p:tgtEl>
-                                          <p:spTgt spid="3"/>
-                                        </p:tgtEl>
-                                        <p:attrNameLst>
-                                          <p:attrName>ppt_y</p:attrName>
-                                        </p:attrNameLst>
-                                      </p:cBhvr>
-                                      <p:tavLst>
-                                        <p:tav tm="0">
-                                          <p:val>
-                                            <p:strVal val="#ppt_y+.1"/>
-                                          </p:val>
-                                        </p:tav>
-                                        <p:tav tm="100000">
-                                          <p:val>
-                                            <p:strVal val="#ppt_y"/>
-                                          </p:val>
-                                        </p:tav>
-                                      </p:tavLst>
-                                    </p:anim>
-                                  </p:childTnLst>
-                                </p:cTn>
-                              </p:par>
-                            </p:childTnLst>
-                          </p:cTn>
-                        </p:par>
-                      </p:childTnLst>
-                    </p:cTn>
-                  </p:par>
-                </p:childTnLst>
-              </p:cTn>
-              <p:prevCondLst>
-                <p:cond evt="onPrev" delay="0">
-                  <p:tgtEl>
-                    <p:sldTgt/>
-                  </p:tgtEl>
-                </p:cond>
-              </p:prevCondLst>
-              <p:nextCondLst>
-                <p:cond evt="onNext" delay="0">
-                  <p:tgtEl>
-                    <p:sldTgt/>
-                  </p:tgtEl>
-                </p:cond>
-              </p:nextCondLst>
-            </p:seq>
-          </p:childTnLst>
-        </p:cTn>
-      </p:par>
-    </p:tnLst>
-    <p:bldLst>
-      <p:bldP spid="3" grpId="0" animBg="1"/>
-    </p:bldLst>
-  </p:timing>
 </p:sld>
 </file>
 
@@ -8366,58 +8182,6 @@
           </a:p>
         </p:txBody>
       </p:sp>
-      <p:sp>
-        <p:nvSpPr>
-          <p:cNvPr id="4" name="带形: 上凸 3">
-            <a:extLst>
-              <a:ext uri="{FF2B5EF4-FFF2-40B4-BE49-F238E27FC236}">
-                <a16:creationId xmlns:a16="http://schemas.microsoft.com/office/drawing/2014/main" id="{21DC84D6-3E6D-4AC4-8050-15F3AE6C457F}"/>
-              </a:ext>
-            </a:extLst>
-          </p:cNvPr>
-          <p:cNvSpPr/>
-          <p:nvPr/>
-        </p:nvSpPr>
-        <p:spPr>
-          <a:xfrm>
-            <a:off x="2827506" y="4961881"/>
-            <a:ext cx="6536987" cy="1274323"/>
-          </a:xfrm>
-          <a:prstGeom prst="ribbon2">
-            <a:avLst>
-              <a:gd name="adj1" fmla="val 16667"/>
-              <a:gd name="adj2" fmla="val 73512"/>
-            </a:avLst>
-          </a:prstGeom>
-        </p:spPr>
-        <p:style>
-          <a:lnRef idx="2">
-            <a:schemeClr val="accent1">
-              <a:shade val="50000"/>
-            </a:schemeClr>
-          </a:lnRef>
-          <a:fillRef idx="1">
-            <a:schemeClr val="accent1"/>
-          </a:fillRef>
-          <a:effectRef idx="0">
-            <a:schemeClr val="accent1"/>
-          </a:effectRef>
-          <a:fontRef idx="minor">
-            <a:schemeClr val="lt1"/>
-          </a:fontRef>
-        </p:style>
-        <p:txBody>
-          <a:bodyPr rtlCol="0" anchor="ctr"/>
-          <a:lstStyle/>
-          <a:p>
-            <a:pPr algn="ctr"/>
-            <a:r>
-              <a:rPr lang="zh-CN" altLang="en-US" sz="3600" b="1" dirty="0"/>
-              <a:t>书山有路</a:t>
-            </a:r>
-          </a:p>
-        </p:txBody>
-      </p:sp>
     </p:spTree>
     <p:extLst>
       <p:ext uri="{BB962C8B-B14F-4D97-AF65-F5344CB8AC3E}">
@@ -8440,138 +8204,6 @@
       </p:transition>
     </mc:Fallback>
   </mc:AlternateContent>
-  <p:timing>
-    <p:tnLst>
-      <p:par>
-        <p:cTn id="1" dur="indefinite" restart="never" nodeType="tmRoot">
-          <p:childTnLst>
-            <p:seq concurrent="1" nextAc="seek">
-              <p:cTn id="2" dur="indefinite" nodeType="mainSeq">
-                <p:childTnLst>
-                  <p:par>
-                    <p:cTn id="3" fill="hold">
-                      <p:stCondLst>
-                        <p:cond delay="indefinite"/>
-                      </p:stCondLst>
-                      <p:childTnLst>
-                        <p:par>
-                          <p:cTn id="4" fill="hold">
-                            <p:stCondLst>
-                              <p:cond delay="0"/>
-                            </p:stCondLst>
-                            <p:childTnLst>
-                              <p:par>
-                                <p:cTn id="5" presetID="42" presetClass="entr" presetSubtype="0" fill="hold" grpId="0" nodeType="clickEffect">
-                                  <p:stCondLst>
-                                    <p:cond delay="0"/>
-                                  </p:stCondLst>
-                                  <p:childTnLst>
-                                    <p:set>
-                                      <p:cBhvr>
-                                        <p:cTn id="6" dur="1" fill="hold">
-                                          <p:stCondLst>
-                                            <p:cond delay="0"/>
-                                          </p:stCondLst>
-                                        </p:cTn>
-                                        <p:tgtEl>
-                                          <p:spTgt spid="4"/>
-                                        </p:tgtEl>
-                                        <p:attrNameLst>
-                                          <p:attrName>style.visibility</p:attrName>
-                                        </p:attrNameLst>
-                                      </p:cBhvr>
-                                      <p:to>
-                                        <p:strVal val="visible"/>
-                                      </p:to>
-                                    </p:set>
-                                    <p:animEffect transition="in" filter="fade">
-                                      <p:cBhvr>
-                                        <p:cTn id="7" dur="1000"/>
-                                        <p:tgtEl>
-                                          <p:spTgt spid="4"/>
-                                        </p:tgtEl>
-                                      </p:cBhvr>
-                                    </p:animEffect>
-                                    <p:anim calcmode="lin" valueType="num">
-                                      <p:cBhvr>
-                                        <p:cTn id="8" dur="1000" fill="hold"/>
-                                        <p:tgtEl>
-                                          <p:spTgt spid="4"/>
-                                        </p:tgtEl>
-                                        <p:attrNameLst>
-                                          <p:attrName>ppt_x</p:attrName>
-                                        </p:attrNameLst>
-                                      </p:cBhvr>
-                                      <p:tavLst>
-                                        <p:tav tm="0">
-                                          <p:val>
-                                            <p:strVal val="#ppt_x"/>
-                                          </p:val>
-                                        </p:tav>
-                                        <p:tav tm="100000">
-                                          <p:val>
-                                            <p:strVal val="#ppt_x"/>
-                                          </p:val>
-                                        </p:tav>
-                                      </p:tavLst>
-                                    </p:anim>
-                                    <p:anim calcmode="lin" valueType="num">
-                                      <p:cBhvr>
-                                        <p:cTn id="9" dur="1000" fill="hold"/>
-                                        <p:tgtEl>
-                                          <p:spTgt spid="4"/>
-                                        </p:tgtEl>
-                                        <p:attrNameLst>
-                                          <p:attrName>ppt_y</p:attrName>
-                                        </p:attrNameLst>
-                                      </p:cBhvr>
-                                      <p:tavLst>
-                                        <p:tav tm="0">
-                                          <p:val>
-                                            <p:strVal val="#ppt_y+.1"/>
-                                          </p:val>
-                                        </p:tav>
-                                        <p:tav tm="100000">
-                                          <p:val>
-                                            <p:strVal val="#ppt_y"/>
-                                          </p:val>
-                                        </p:tav>
-                                      </p:tavLst>
-                                    </p:anim>
-                                  </p:childTnLst>
-                                </p:cTn>
-                              </p:par>
-                            </p:childTnLst>
-                          </p:cTn>
-                        </p:par>
-                      </p:childTnLst>
-                    </p:cTn>
-                  </p:par>
-                </p:childTnLst>
-              </p:cTn>
-              <p:prevCondLst>
-                <p:cond evt="onPrev" delay="0">
-                  <p:tgtEl>
-                    <p:sldTgt/>
-                  </p:tgtEl>
-                </p:cond>
-              </p:prevCondLst>
-              <p:nextCondLst>
-                <p:cond evt="onNext" delay="0">
-                  <p:tgtEl>
-                    <p:sldTgt/>
-                  </p:tgtEl>
-                </p:cond>
-              </p:nextCondLst>
-            </p:seq>
-          </p:childTnLst>
-        </p:cTn>
-      </p:par>
-    </p:tnLst>
-    <p:bldLst>
-      <p:bldP spid="4" grpId="0" animBg="1"/>
-    </p:bldLst>
-  </p:timing>
 </p:sld>
 </file>
 
@@ -8688,202 +8320,6 @@
                 </a:outerShdw>
               </a:effectLst>
             </a:endParaRPr>
-          </a:p>
-        </p:txBody>
-      </p:sp>
-      <p:sp>
-        <p:nvSpPr>
-          <p:cNvPr id="2" name="卷形: 垂直 1">
-            <a:extLst>
-              <a:ext uri="{FF2B5EF4-FFF2-40B4-BE49-F238E27FC236}">
-                <a16:creationId xmlns:a16="http://schemas.microsoft.com/office/drawing/2014/main" id="{0DBCC182-548D-457C-95E1-C577EC708FD6}"/>
-              </a:ext>
-            </a:extLst>
-          </p:cNvPr>
-          <p:cNvSpPr/>
-          <p:nvPr/>
-        </p:nvSpPr>
-        <p:spPr>
-          <a:xfrm>
-            <a:off x="749030" y="1130074"/>
-            <a:ext cx="2315183" cy="4737370"/>
-          </a:xfrm>
-          <a:prstGeom prst="verticalScroll">
-            <a:avLst/>
-          </a:prstGeom>
-        </p:spPr>
-        <p:style>
-          <a:lnRef idx="2">
-            <a:schemeClr val="accent4">
-              <a:shade val="50000"/>
-            </a:schemeClr>
-          </a:lnRef>
-          <a:fillRef idx="1">
-            <a:schemeClr val="accent4"/>
-          </a:fillRef>
-          <a:effectRef idx="0">
-            <a:schemeClr val="accent4"/>
-          </a:effectRef>
-          <a:fontRef idx="minor">
-            <a:schemeClr val="lt1"/>
-          </a:fontRef>
-        </p:style>
-        <p:txBody>
-          <a:bodyPr rtlCol="0" anchor="ctr"/>
-          <a:lstStyle/>
-          <a:p>
-            <a:pPr algn="ctr"/>
-            <a:r>
-              <a:rPr lang="zh-CN" altLang="en-US" sz="3200" b="1" dirty="0"/>
-              <a:t>书</a:t>
-            </a:r>
-            <a:endParaRPr lang="en-US" altLang="zh-CN" sz="3200" b="1" dirty="0"/>
-          </a:p>
-          <a:p>
-            <a:pPr algn="ctr"/>
-            <a:r>
-              <a:rPr lang="zh-CN" altLang="en-US" sz="3200" b="1" dirty="0"/>
-              <a:t>山</a:t>
-            </a:r>
-            <a:endParaRPr lang="en-US" altLang="zh-CN" sz="3200" b="1" dirty="0"/>
-          </a:p>
-          <a:p>
-            <a:pPr algn="ctr"/>
-            <a:r>
-              <a:rPr lang="zh-CN" altLang="en-US" sz="3200" b="1" dirty="0"/>
-              <a:t>有</a:t>
-            </a:r>
-            <a:endParaRPr lang="en-US" altLang="zh-CN" sz="3200" b="1" dirty="0"/>
-          </a:p>
-          <a:p>
-            <a:pPr algn="ctr"/>
-            <a:r>
-              <a:rPr lang="zh-CN" altLang="en-US" sz="3200" b="1" dirty="0"/>
-              <a:t>路</a:t>
-            </a:r>
-            <a:endParaRPr lang="en-US" altLang="zh-CN" sz="3200" b="1" dirty="0"/>
-          </a:p>
-          <a:p>
-            <a:pPr algn="ctr"/>
-            <a:r>
-              <a:rPr lang="zh-CN" altLang="en-US" sz="3200" b="1" dirty="0"/>
-              <a:t>勤</a:t>
-            </a:r>
-            <a:endParaRPr lang="en-US" altLang="zh-CN" sz="3200" b="1" dirty="0"/>
-          </a:p>
-          <a:p>
-            <a:pPr algn="ctr"/>
-            <a:r>
-              <a:rPr lang="zh-CN" altLang="en-US" sz="3200" b="1" dirty="0"/>
-              <a:t>为</a:t>
-            </a:r>
-            <a:endParaRPr lang="en-US" altLang="zh-CN" sz="3200" b="1" dirty="0"/>
-          </a:p>
-          <a:p>
-            <a:pPr algn="ctr"/>
-            <a:r>
-              <a:rPr lang="zh-CN" altLang="en-US" sz="3200" b="1" dirty="0"/>
-              <a:t>径</a:t>
-            </a:r>
-            <a:endParaRPr lang="zh-CN" altLang="en-US" b="1" dirty="0"/>
-          </a:p>
-        </p:txBody>
-      </p:sp>
-      <p:sp>
-        <p:nvSpPr>
-          <p:cNvPr id="4" name="卷形: 垂直 3">
-            <a:extLst>
-              <a:ext uri="{FF2B5EF4-FFF2-40B4-BE49-F238E27FC236}">
-                <a16:creationId xmlns:a16="http://schemas.microsoft.com/office/drawing/2014/main" id="{7D3D9C73-DAC4-4C2F-8A48-43E6FA986A4C}"/>
-              </a:ext>
-            </a:extLst>
-          </p:cNvPr>
-          <p:cNvSpPr/>
-          <p:nvPr/>
-        </p:nvSpPr>
-        <p:spPr>
-          <a:xfrm>
-            <a:off x="9338927" y="1130074"/>
-            <a:ext cx="2315183" cy="4737370"/>
-          </a:xfrm>
-          <a:prstGeom prst="verticalScroll">
-            <a:avLst/>
-          </a:prstGeom>
-        </p:spPr>
-        <p:style>
-          <a:lnRef idx="2">
-            <a:schemeClr val="accent4">
-              <a:shade val="50000"/>
-            </a:schemeClr>
-          </a:lnRef>
-          <a:fillRef idx="1">
-            <a:schemeClr val="accent4"/>
-          </a:fillRef>
-          <a:effectRef idx="0">
-            <a:schemeClr val="accent4"/>
-          </a:effectRef>
-          <a:fontRef idx="minor">
-            <a:schemeClr val="lt1"/>
-          </a:fontRef>
-        </p:style>
-        <p:txBody>
-          <a:bodyPr rtlCol="0" anchor="ctr"/>
-          <a:lstStyle/>
-          <a:p>
-            <a:pPr algn="ctr"/>
-            <a:r>
-              <a:rPr lang="zh-CN" altLang="en-US" sz="3200" b="1" dirty="0"/>
-              <a:t>学</a:t>
-            </a:r>
-            <a:endParaRPr lang="en-US" altLang="zh-CN" sz="3200" b="1" dirty="0"/>
-          </a:p>
-          <a:p>
-            <a:pPr algn="ctr"/>
-            <a:r>
-              <a:rPr lang="zh-CN" altLang="en-US" sz="3200" b="1" dirty="0"/>
-              <a:t>海</a:t>
-            </a:r>
-            <a:endParaRPr lang="en-US" altLang="zh-CN" sz="3200" b="1" dirty="0"/>
-          </a:p>
-          <a:p>
-            <a:pPr algn="ctr"/>
-            <a:r>
-              <a:rPr lang="zh-CN" altLang="en-US" sz="3200" b="1" dirty="0"/>
-              <a:t>无</a:t>
-            </a:r>
-            <a:endParaRPr lang="en-US" altLang="zh-CN" sz="3200" b="1" dirty="0"/>
-          </a:p>
-          <a:p>
-            <a:pPr algn="ctr"/>
-            <a:r>
-              <a:rPr lang="zh-CN" altLang="en-US" sz="3200" b="1" dirty="0"/>
-              <a:t>涯</a:t>
-            </a:r>
-            <a:endParaRPr lang="en-US" altLang="zh-CN" sz="3200" b="1" dirty="0"/>
-          </a:p>
-          <a:p>
-            <a:pPr algn="ctr"/>
-            <a:r>
-              <a:rPr lang="zh-CN" altLang="en-US" sz="3200" b="1" dirty="0"/>
-              <a:t>苦</a:t>
-            </a:r>
-            <a:endParaRPr lang="en-US" altLang="zh-CN" sz="3200" b="1" dirty="0"/>
-          </a:p>
-          <a:p>
-            <a:pPr algn="ctr"/>
-            <a:r>
-              <a:rPr lang="zh-CN" altLang="en-US" sz="3200" b="1" dirty="0"/>
-              <a:t>作</a:t>
-            </a:r>
-            <a:endParaRPr lang="en-US" altLang="zh-CN" sz="3200" b="1" dirty="0"/>
-          </a:p>
-          <a:p>
-            <a:pPr algn="ctr"/>
-            <a:r>
-              <a:rPr lang="zh-CN" altLang="en-US" sz="3200" b="1" dirty="0"/>
-              <a:t>舟</a:t>
-            </a:r>
-            <a:endParaRPr lang="zh-CN" altLang="en-US" b="1" dirty="0"/>
           </a:p>
         </p:txBody>
       </p:sp>
@@ -8909,207 +8345,6 @@
       </p:transition>
     </mc:Fallback>
   </mc:AlternateContent>
-  <p:timing>
-    <p:tnLst>
-      <p:par>
-        <p:cTn id="1" dur="indefinite" restart="never" nodeType="tmRoot">
-          <p:childTnLst>
-            <p:seq concurrent="1" nextAc="seek">
-              <p:cTn id="2" dur="indefinite" nodeType="mainSeq">
-                <p:childTnLst>
-                  <p:par>
-                    <p:cTn id="3" fill="hold">
-                      <p:stCondLst>
-                        <p:cond delay="indefinite"/>
-                        <p:cond evt="onBegin" delay="0">
-                          <p:tn val="2"/>
-                        </p:cond>
-                      </p:stCondLst>
-                      <p:childTnLst>
-                        <p:par>
-                          <p:cTn id="4" fill="hold">
-                            <p:stCondLst>
-                              <p:cond delay="0"/>
-                            </p:stCondLst>
-                            <p:childTnLst>
-                              <p:par>
-                                <p:cTn id="5" presetID="28" presetClass="entr" presetSubtype="0" fill="hold" grpId="0" nodeType="withEffect">
-                                  <p:stCondLst>
-                                    <p:cond delay="0"/>
-                                  </p:stCondLst>
-                                  <p:childTnLst>
-                                    <p:set>
-                                      <p:cBhvr>
-                                        <p:cTn id="6" dur="1" fill="hold">
-                                          <p:stCondLst>
-                                            <p:cond delay="0"/>
-                                          </p:stCondLst>
-                                        </p:cTn>
-                                        <p:tgtEl>
-                                          <p:spTgt spid="2"/>
-                                        </p:tgtEl>
-                                        <p:attrNameLst>
-                                          <p:attrName>style.visibility</p:attrName>
-                                        </p:attrNameLst>
-                                      </p:cBhvr>
-                                      <p:to>
-                                        <p:strVal val="visible"/>
-                                      </p:to>
-                                    </p:set>
-                                    <p:anim calcmode="lin" valueType="num">
-                                      <p:cBhvr>
-                                        <p:cTn id="7" dur="5000" fill="hold"/>
-                                        <p:tgtEl>
-                                          <p:spTgt spid="2"/>
-                                        </p:tgtEl>
-                                        <p:attrNameLst>
-                                          <p:attrName>ppt_x</p:attrName>
-                                        </p:attrNameLst>
-                                      </p:cBhvr>
-                                      <p:tavLst>
-                                        <p:tav tm="0">
-                                          <p:val>
-                                            <p:strVal val="#ppt_x"/>
-                                          </p:val>
-                                        </p:tav>
-                                        <p:tav tm="100000">
-                                          <p:val>
-                                            <p:strVal val="#ppt_x"/>
-                                          </p:val>
-                                        </p:tav>
-                                      </p:tavLst>
-                                    </p:anim>
-                                    <p:anim calcmode="lin" valueType="num">
-                                      <p:cBhvr>
-                                        <p:cTn id="8" dur="5000" fill="hold"/>
-                                        <p:tgtEl>
-                                          <p:spTgt spid="2"/>
-                                        </p:tgtEl>
-                                        <p:attrNameLst>
-                                          <p:attrName>ppt_y</p:attrName>
-                                        </p:attrNameLst>
-                                      </p:cBhvr>
-                                      <p:tavLst>
-                                        <p:tav tm="0">
-                                          <p:val>
-                                            <p:strVal val="#ppt_y+1"/>
-                                          </p:val>
-                                        </p:tav>
-                                        <p:tav tm="100000">
-                                          <p:val>
-                                            <p:strVal val="#ppt_y-1"/>
-                                          </p:val>
-                                        </p:tav>
-                                      </p:tavLst>
-                                    </p:anim>
-                                  </p:childTnLst>
-                                </p:cTn>
-                              </p:par>
-                              <p:par>
-                                <p:cTn id="9" presetID="28" presetClass="entr" presetSubtype="0" fill="hold" grpId="0" nodeType="withEffect">
-                                  <p:stCondLst>
-                                    <p:cond delay="0"/>
-                                  </p:stCondLst>
-                                  <p:childTnLst>
-                                    <p:set>
-                                      <p:cBhvr>
-                                        <p:cTn id="10" dur="1" fill="hold">
-                                          <p:stCondLst>
-                                            <p:cond delay="0"/>
-                                          </p:stCondLst>
-                                        </p:cTn>
-                                        <p:tgtEl>
-                                          <p:spTgt spid="4"/>
-                                        </p:tgtEl>
-                                        <p:attrNameLst>
-                                          <p:attrName>style.visibility</p:attrName>
-                                        </p:attrNameLst>
-                                      </p:cBhvr>
-                                      <p:to>
-                                        <p:strVal val="visible"/>
-                                      </p:to>
-                                    </p:set>
-                                    <p:anim calcmode="lin" valueType="num">
-                                      <p:cBhvr>
-                                        <p:cTn id="11" dur="5000" fill="hold"/>
-                                        <p:tgtEl>
-                                          <p:spTgt spid="4"/>
-                                        </p:tgtEl>
-                                        <p:attrNameLst>
-                                          <p:attrName>ppt_x</p:attrName>
-                                        </p:attrNameLst>
-                                      </p:cBhvr>
-                                      <p:tavLst>
-                                        <p:tav tm="0">
-                                          <p:val>
-                                            <p:strVal val="#ppt_x"/>
-                                          </p:val>
-                                        </p:tav>
-                                        <p:tav tm="100000">
-                                          <p:val>
-                                            <p:strVal val="#ppt_x"/>
-                                          </p:val>
-                                        </p:tav>
-                                      </p:tavLst>
-                                    </p:anim>
-                                    <p:anim calcmode="lin" valueType="num">
-                                      <p:cBhvr>
-                                        <p:cTn id="12" dur="5000" fill="hold"/>
-                                        <p:tgtEl>
-                                          <p:spTgt spid="4"/>
-                                        </p:tgtEl>
-                                        <p:attrNameLst>
-                                          <p:attrName>ppt_y</p:attrName>
-                                        </p:attrNameLst>
-                                      </p:cBhvr>
-                                      <p:tavLst>
-                                        <p:tav tm="0">
-                                          <p:val>
-                                            <p:strVal val="#ppt_y+1"/>
-                                          </p:val>
-                                        </p:tav>
-                                        <p:tav tm="100000">
-                                          <p:val>
-                                            <p:strVal val="#ppt_y-1"/>
-                                          </p:val>
-                                        </p:tav>
-                                      </p:tavLst>
-                                    </p:anim>
-                                  </p:childTnLst>
-                                </p:cTn>
-                              </p:par>
-                            </p:childTnLst>
-                          </p:cTn>
-                        </p:par>
-                      </p:childTnLst>
-                    </p:cTn>
-                  </p:par>
-                </p:childTnLst>
-              </p:cTn>
-              <p:prevCondLst>
-                <p:cond evt="onPrev" delay="0">
-                  <p:tgtEl>
-                    <p:sldTgt/>
-                  </p:tgtEl>
-                </p:cond>
-              </p:prevCondLst>
-              <p:nextCondLst>
-                <p:cond evt="onNext" delay="0">
-                  <p:tgtEl>
-                    <p:sldTgt/>
-                  </p:tgtEl>
-                </p:cond>
-              </p:nextCondLst>
-            </p:seq>
-          </p:childTnLst>
-        </p:cTn>
-      </p:par>
-    </p:tnLst>
-    <p:bldLst>
-      <p:bldP spid="2" grpId="0" animBg="1"/>
-      <p:bldP spid="4" grpId="0" animBg="1"/>
-    </p:bldLst>
-  </p:timing>
 </p:sld>
 </file>
 
